--- a/presentation/Werner Crowdfunding Slides.pptx
+++ b/presentation/Werner Crowdfunding Slides.pptx
@@ -7,10 +7,16 @@
   <p:sldIdLst>
     <p:sldId id="256" r:id="rId2"/>
     <p:sldId id="257" r:id="rId3"/>
-    <p:sldId id="258" r:id="rId4"/>
-    <p:sldId id="259" r:id="rId5"/>
-    <p:sldId id="260" r:id="rId6"/>
-    <p:sldId id="261" r:id="rId7"/>
+    <p:sldId id="262" r:id="rId4"/>
+    <p:sldId id="263" r:id="rId5"/>
+    <p:sldId id="258" r:id="rId6"/>
+    <p:sldId id="264" r:id="rId7"/>
+    <p:sldId id="265" r:id="rId8"/>
+    <p:sldId id="266" r:id="rId9"/>
+    <p:sldId id="270" r:id="rId10"/>
+    <p:sldId id="271" r:id="rId11"/>
+    <p:sldId id="272" r:id="rId12"/>
+    <p:sldId id="268" r:id="rId13"/>
   </p:sldIdLst>
   <p:sldSz cx="12192000" cy="6858000"/>
   <p:notesSz cx="6858000" cy="9144000"/>
@@ -109,6 +115,11 @@
       </a:defRPr>
     </a:lvl9pPr>
   </p:defaultTextStyle>
+  <p:extLst>
+    <p:ext uri="{EFAFB233-063F-42B5-8137-9DF3F51BA10A}">
+      <p15:sldGuideLst xmlns:p15="http://schemas.microsoft.com/office/powerpoint/2012/main"/>
+    </p:ext>
+  </p:extLst>
 </p:presentation>
 </file>
 
@@ -243,7 +254,7 @@
           <a:p>
             <a:fld id="{730D58AE-F2ED-6548-B36D-C0A2BB5F55C6}" type="datetimeFigureOut">
               <a:rPr lang="en-US" smtClean="0"/>
-              <a:t>3/26/17</a:t>
+              <a:t>4/6/17</a:t>
             </a:fld>
             <a:endParaRPr lang="en-US"/>
           </a:p>
@@ -413,7 +424,7 @@
           <a:p>
             <a:fld id="{730D58AE-F2ED-6548-B36D-C0A2BB5F55C6}" type="datetimeFigureOut">
               <a:rPr lang="en-US" smtClean="0"/>
-              <a:t>3/26/17</a:t>
+              <a:t>4/6/17</a:t>
             </a:fld>
             <a:endParaRPr lang="en-US"/>
           </a:p>
@@ -593,7 +604,7 @@
           <a:p>
             <a:fld id="{730D58AE-F2ED-6548-B36D-C0A2BB5F55C6}" type="datetimeFigureOut">
               <a:rPr lang="en-US" smtClean="0"/>
-              <a:t>3/26/17</a:t>
+              <a:t>4/6/17</a:t>
             </a:fld>
             <a:endParaRPr lang="en-US"/>
           </a:p>
@@ -763,7 +774,7 @@
           <a:p>
             <a:fld id="{730D58AE-F2ED-6548-B36D-C0A2BB5F55C6}" type="datetimeFigureOut">
               <a:rPr lang="en-US" smtClean="0"/>
-              <a:t>3/26/17</a:t>
+              <a:t>4/6/17</a:t>
             </a:fld>
             <a:endParaRPr lang="en-US"/>
           </a:p>
@@ -1009,7 +1020,7 @@
           <a:p>
             <a:fld id="{730D58AE-F2ED-6548-B36D-C0A2BB5F55C6}" type="datetimeFigureOut">
               <a:rPr lang="en-US" smtClean="0"/>
-              <a:t>3/26/17</a:t>
+              <a:t>4/6/17</a:t>
             </a:fld>
             <a:endParaRPr lang="en-US"/>
           </a:p>
@@ -1241,7 +1252,7 @@
           <a:p>
             <a:fld id="{730D58AE-F2ED-6548-B36D-C0A2BB5F55C6}" type="datetimeFigureOut">
               <a:rPr lang="en-US" smtClean="0"/>
-              <a:t>3/26/17</a:t>
+              <a:t>4/6/17</a:t>
             </a:fld>
             <a:endParaRPr lang="en-US"/>
           </a:p>
@@ -1608,7 +1619,7 @@
           <a:p>
             <a:fld id="{730D58AE-F2ED-6548-B36D-C0A2BB5F55C6}" type="datetimeFigureOut">
               <a:rPr lang="en-US" smtClean="0"/>
-              <a:t>3/26/17</a:t>
+              <a:t>4/6/17</a:t>
             </a:fld>
             <a:endParaRPr lang="en-US"/>
           </a:p>
@@ -1726,7 +1737,7 @@
           <a:p>
             <a:fld id="{730D58AE-F2ED-6548-B36D-C0A2BB5F55C6}" type="datetimeFigureOut">
               <a:rPr lang="en-US" smtClean="0"/>
-              <a:t>3/26/17</a:t>
+              <a:t>4/6/17</a:t>
             </a:fld>
             <a:endParaRPr lang="en-US"/>
           </a:p>
@@ -1821,7 +1832,7 @@
           <a:p>
             <a:fld id="{730D58AE-F2ED-6548-B36D-C0A2BB5F55C6}" type="datetimeFigureOut">
               <a:rPr lang="en-US" smtClean="0"/>
-              <a:t>3/26/17</a:t>
+              <a:t>4/6/17</a:t>
             </a:fld>
             <a:endParaRPr lang="en-US"/>
           </a:p>
@@ -2098,7 +2109,7 @@
           <a:p>
             <a:fld id="{730D58AE-F2ED-6548-B36D-C0A2BB5F55C6}" type="datetimeFigureOut">
               <a:rPr lang="en-US" smtClean="0"/>
-              <a:t>3/26/17</a:t>
+              <a:t>4/6/17</a:t>
             </a:fld>
             <a:endParaRPr lang="en-US"/>
           </a:p>
@@ -2351,7 +2362,7 @@
           <a:p>
             <a:fld id="{730D58AE-F2ED-6548-B36D-C0A2BB5F55C6}" type="datetimeFigureOut">
               <a:rPr lang="en-US" smtClean="0"/>
-              <a:t>3/26/17</a:t>
+              <a:t>4/6/17</a:t>
             </a:fld>
             <a:endParaRPr lang="en-US"/>
           </a:p>
@@ -2564,7 +2575,7 @@
           <a:p>
             <a:fld id="{730D58AE-F2ED-6548-B36D-C0A2BB5F55C6}" type="datetimeFigureOut">
               <a:rPr lang="en-US" smtClean="0"/>
-              <a:t>3/26/17</a:t>
+              <a:t>4/6/17</a:t>
             </a:fld>
             <a:endParaRPr lang="en-US"/>
           </a:p>
@@ -3034,6 +3045,808 @@
 </p:sld>
 </file>
 
+<file path=ppt/slides/slide10.xml><?xml version="1.0" encoding="utf-8"?>
+<p:sld xmlns:a="http://schemas.openxmlformats.org/drawingml/2006/main" xmlns:r="http://schemas.openxmlformats.org/officeDocument/2006/relationships" xmlns:p="http://schemas.openxmlformats.org/presentationml/2006/main">
+  <p:cSld>
+    <p:spTree>
+      <p:nvGrpSpPr>
+        <p:cNvPr id="1" name=""/>
+        <p:cNvGrpSpPr/>
+        <p:nvPr/>
+      </p:nvGrpSpPr>
+      <p:grpSpPr>
+        <a:xfrm>
+          <a:off x="0" y="0"/>
+          <a:ext cx="0" cy="0"/>
+          <a:chOff x="0" y="0"/>
+          <a:chExt cx="0" cy="0"/>
+        </a:xfrm>
+      </p:grpSpPr>
+      <p:sp>
+        <p:nvSpPr>
+          <p:cNvPr id="14" name="Rectangle 13"/>
+          <p:cNvSpPr>
+            <a:spLocks noGrp="1" noRot="1" noChangeAspect="1" noMove="1" noResize="1" noEditPoints="1" noAdjustHandles="1" noChangeArrowheads="1" noChangeShapeType="1" noTextEdit="1"/>
+          </p:cNvSpPr>
+          <p:nvPr>
+            <p:extLst>
+              <p:ext uri="{386F3935-93C4-4BCD-93E2-E3B085C9AB24}">
+                <p16:designElem xmlns:p16="http://schemas.microsoft.com/office/powerpoint/2015/main" val="1"/>
+              </p:ext>
+            </p:extLst>
+          </p:nvPr>
+        </p:nvSpPr>
+        <p:spPr bwMode="white">
+          <a:xfrm>
+            <a:off x="0" y="0"/>
+            <a:ext cx="12192000" cy="6858000"/>
+          </a:xfrm>
+          <a:prstGeom prst="rect">
+            <a:avLst/>
+          </a:prstGeom>
+          <a:solidFill>
+            <a:schemeClr val="bg1"/>
+          </a:solidFill>
+          <a:ln>
+            <a:noFill/>
+          </a:ln>
+          <a:effectLst/>
+        </p:spPr>
+      </p:sp>
+      <p:sp>
+        <p:nvSpPr>
+          <p:cNvPr id="16" name="Rectangle 15"/>
+          <p:cNvSpPr>
+            <a:spLocks noGrp="1" noRot="1" noChangeAspect="1" noMove="1" noResize="1" noEditPoints="1" noAdjustHandles="1" noChangeArrowheads="1" noChangeShapeType="1" noTextEdit="1"/>
+          </p:cNvSpPr>
+          <p:nvPr>
+            <p:extLst>
+              <p:ext uri="{386F3935-93C4-4BCD-93E2-E3B085C9AB24}">
+                <p16:designElem xmlns:p16="http://schemas.microsoft.com/office/powerpoint/2015/main" val="1"/>
+              </p:ext>
+            </p:extLst>
+          </p:nvPr>
+        </p:nvSpPr>
+        <p:spPr bwMode="ltGray">
+          <a:xfrm>
+            <a:off x="378068" y="4633546"/>
+            <a:ext cx="11438793" cy="1844256"/>
+          </a:xfrm>
+          <a:prstGeom prst="rect">
+            <a:avLst/>
+          </a:prstGeom>
+          <a:solidFill>
+            <a:schemeClr val="tx1">
+              <a:lumMod val="75000"/>
+              <a:lumOff val="25000"/>
+            </a:schemeClr>
+          </a:solidFill>
+          <a:ln w="127000" cap="sq" cmpd="thinThick">
+            <a:solidFill>
+              <a:schemeClr val="tx1">
+                <a:lumMod val="75000"/>
+                <a:lumOff val="25000"/>
+              </a:schemeClr>
+            </a:solidFill>
+          </a:ln>
+        </p:spPr>
+        <p:style>
+          <a:lnRef idx="2">
+            <a:schemeClr val="accent1">
+              <a:shade val="50000"/>
+            </a:schemeClr>
+          </a:lnRef>
+          <a:fillRef idx="1">
+            <a:schemeClr val="accent1"/>
+          </a:fillRef>
+          <a:effectRef idx="0">
+            <a:schemeClr val="accent1"/>
+          </a:effectRef>
+          <a:fontRef idx="minor">
+            <a:schemeClr val="lt1"/>
+          </a:fontRef>
+        </p:style>
+        <p:txBody>
+          <a:bodyPr rtlCol="0" anchor="ctr"/>
+          <a:lstStyle/>
+          <a:p>
+            <a:pPr algn="ctr"/>
+            <a:endParaRPr lang="en-US"/>
+          </a:p>
+        </p:txBody>
+      </p:sp>
+      <p:cxnSp>
+        <p:nvCxnSpPr>
+          <p:cNvPr id="18" name="Straight Connector 17"/>
+          <p:cNvCxnSpPr>
+            <a:cxnSpLocks noGrp="1" noRot="1" noChangeAspect="1" noMove="1" noResize="1" noEditPoints="1" noAdjustHandles="1" noChangeArrowheads="1" noChangeShapeType="1"/>
+          </p:cNvCxnSpPr>
+          <p:nvPr>
+            <p:extLst>
+              <p:ext uri="{386F3935-93C4-4BCD-93E2-E3B085C9AB24}">
+                <p16:designElem xmlns:p16="http://schemas.microsoft.com/office/powerpoint/2015/main" val="1"/>
+              </p:ext>
+            </p:extLst>
+          </p:nvPr>
+        </p:nvCxnSpPr>
+        <p:spPr>
+          <a:xfrm>
+            <a:off x="2209800" y="5738691"/>
+            <a:ext cx="7772400" cy="0"/>
+          </a:xfrm>
+          <a:prstGeom prst="line">
+            <a:avLst/>
+          </a:prstGeom>
+          <a:ln w="22225">
+            <a:solidFill>
+              <a:schemeClr val="bg1">
+                <a:lumMod val="85000"/>
+              </a:schemeClr>
+            </a:solidFill>
+          </a:ln>
+        </p:spPr>
+        <p:style>
+          <a:lnRef idx="1">
+            <a:schemeClr val="accent1"/>
+          </a:lnRef>
+          <a:fillRef idx="0">
+            <a:schemeClr val="accent1"/>
+          </a:fillRef>
+          <a:effectRef idx="0">
+            <a:schemeClr val="accent1"/>
+          </a:effectRef>
+          <a:fontRef idx="minor">
+            <a:schemeClr val="tx1"/>
+          </a:fontRef>
+        </p:style>
+      </p:cxnSp>
+      <p:cxnSp>
+        <p:nvCxnSpPr>
+          <p:cNvPr id="20" name="Straight Connector 19"/>
+          <p:cNvCxnSpPr>
+            <a:cxnSpLocks noGrp="1" noRot="1" noChangeAspect="1" noMove="1" noResize="1" noEditPoints="1" noAdjustHandles="1" noChangeArrowheads="1" noChangeShapeType="1"/>
+          </p:cNvCxnSpPr>
+          <p:nvPr>
+            <p:extLst>
+              <p:ext uri="{386F3935-93C4-4BCD-93E2-E3B085C9AB24}">
+                <p16:designElem xmlns:p16="http://schemas.microsoft.com/office/powerpoint/2015/main" val="1"/>
+              </p:ext>
+            </p:extLst>
+          </p:nvPr>
+        </p:nvCxnSpPr>
+        <p:spPr>
+          <a:xfrm>
+            <a:off x="6096000" y="477749"/>
+            <a:ext cx="0" cy="3657600"/>
+          </a:xfrm>
+          <a:prstGeom prst="line">
+            <a:avLst/>
+          </a:prstGeom>
+          <a:ln w="101600" cmpd="dbl">
+            <a:solidFill>
+              <a:schemeClr val="tx1">
+                <a:lumMod val="65000"/>
+                <a:lumOff val="35000"/>
+              </a:schemeClr>
+            </a:solidFill>
+          </a:ln>
+        </p:spPr>
+        <p:style>
+          <a:lnRef idx="1">
+            <a:schemeClr val="accent1"/>
+          </a:lnRef>
+          <a:fillRef idx="0">
+            <a:schemeClr val="accent1"/>
+          </a:fillRef>
+          <a:effectRef idx="0">
+            <a:schemeClr val="accent1"/>
+          </a:effectRef>
+          <a:fontRef idx="minor">
+            <a:schemeClr val="tx1"/>
+          </a:fontRef>
+        </p:style>
+      </p:cxnSp>
+      <p:pic>
+        <p:nvPicPr>
+          <p:cNvPr id="8" name="Picture 7"/>
+          <p:cNvPicPr>
+            <a:picLocks noChangeAspect="1"/>
+          </p:cNvPicPr>
+          <p:nvPr/>
+        </p:nvPicPr>
+        <p:blipFill>
+          <a:blip r:embed="rId2">
+            <a:extLst>
+              <a:ext uri="{28A0092B-C50C-407E-A947-70E740481C1C}">
+                <a14:useLocalDpi xmlns:a14="http://schemas.microsoft.com/office/drawing/2010/main" val="0"/>
+              </a:ext>
+            </a:extLst>
+          </a:blip>
+          <a:stretch>
+            <a:fillRect/>
+          </a:stretch>
+        </p:blipFill>
+        <p:spPr>
+          <a:xfrm>
+            <a:off x="320040" y="485637"/>
+            <a:ext cx="5455917" cy="3641825"/>
+          </a:xfrm>
+          <a:prstGeom prst="rect">
+            <a:avLst/>
+          </a:prstGeom>
+        </p:spPr>
+      </p:pic>
+      <p:pic>
+        <p:nvPicPr>
+          <p:cNvPr id="9" name="Picture 8"/>
+          <p:cNvPicPr>
+            <a:picLocks noChangeAspect="1"/>
+          </p:cNvPicPr>
+          <p:nvPr/>
+        </p:nvPicPr>
+        <p:blipFill>
+          <a:blip r:embed="rId3">
+            <a:extLst>
+              <a:ext uri="{28A0092B-C50C-407E-A947-70E740481C1C}">
+                <a14:useLocalDpi xmlns:a14="http://schemas.microsoft.com/office/drawing/2010/main" val="0"/>
+              </a:ext>
+            </a:extLst>
+          </a:blip>
+          <a:stretch>
+            <a:fillRect/>
+          </a:stretch>
+        </p:blipFill>
+        <p:spPr>
+          <a:xfrm>
+            <a:off x="6416043" y="485637"/>
+            <a:ext cx="5455917" cy="3641825"/>
+          </a:xfrm>
+          <a:prstGeom prst="rect">
+            <a:avLst/>
+          </a:prstGeom>
+        </p:spPr>
+      </p:pic>
+      <p:sp>
+        <p:nvSpPr>
+          <p:cNvPr id="2" name="Title 1"/>
+          <p:cNvSpPr>
+            <a:spLocks noGrp="1"/>
+          </p:cNvSpPr>
+          <p:nvPr>
+            <p:ph type="title"/>
+          </p:nvPr>
+        </p:nvSpPr>
+        <p:spPr>
+          <a:xfrm>
+            <a:off x="527538" y="4756638"/>
+            <a:ext cx="11139854" cy="930447"/>
+          </a:xfrm>
+        </p:spPr>
+        <p:txBody>
+          <a:bodyPr vert="horz" lIns="91440" tIns="45720" rIns="91440" bIns="45720" rtlCol="0" anchor="b">
+            <a:normAutofit/>
+          </a:bodyPr>
+          <a:lstStyle/>
+          <a:p>
+            <a:pPr algn="ctr"/>
+            <a:r>
+              <a:rPr lang="en-US" sz="5400">
+                <a:solidFill>
+                  <a:schemeClr val="bg1"/>
+                </a:solidFill>
+              </a:rPr>
+              <a:t>Buzz Words of –  Hardware</a:t>
+            </a:r>
+          </a:p>
+        </p:txBody>
+      </p:sp>
+    </p:spTree>
+    <p:extLst>
+      <p:ext uri="{BB962C8B-B14F-4D97-AF65-F5344CB8AC3E}">
+        <p14:creationId xmlns:p14="http://schemas.microsoft.com/office/powerpoint/2010/main" val="456522648"/>
+      </p:ext>
+    </p:extLst>
+  </p:cSld>
+  <p:clrMapOvr>
+    <a:masterClrMapping/>
+  </p:clrMapOvr>
+</p:sld>
+</file>
+
+<file path=ppt/slides/slide11.xml><?xml version="1.0" encoding="utf-8"?>
+<p:sld xmlns:a="http://schemas.openxmlformats.org/drawingml/2006/main" xmlns:r="http://schemas.openxmlformats.org/officeDocument/2006/relationships" xmlns:p="http://schemas.openxmlformats.org/presentationml/2006/main">
+  <p:cSld>
+    <p:spTree>
+      <p:nvGrpSpPr>
+        <p:cNvPr id="1" name=""/>
+        <p:cNvGrpSpPr/>
+        <p:nvPr/>
+      </p:nvGrpSpPr>
+      <p:grpSpPr>
+        <a:xfrm>
+          <a:off x="0" y="0"/>
+          <a:ext cx="0" cy="0"/>
+          <a:chOff x="0" y="0"/>
+          <a:chExt cx="0" cy="0"/>
+        </a:xfrm>
+      </p:grpSpPr>
+      <p:sp>
+        <p:nvSpPr>
+          <p:cNvPr id="11" name="Rectangle 10"/>
+          <p:cNvSpPr>
+            <a:spLocks noGrp="1" noRot="1" noChangeAspect="1" noMove="1" noResize="1" noEditPoints="1" noAdjustHandles="1" noChangeArrowheads="1" noChangeShapeType="1" noTextEdit="1"/>
+          </p:cNvSpPr>
+          <p:nvPr>
+            <p:extLst>
+              <p:ext uri="{386F3935-93C4-4BCD-93E2-E3B085C9AB24}">
+                <p16:designElem xmlns:p16="http://schemas.microsoft.com/office/powerpoint/2015/main" val="1"/>
+              </p:ext>
+            </p:extLst>
+          </p:nvPr>
+        </p:nvSpPr>
+        <p:spPr bwMode="white">
+          <a:xfrm>
+            <a:off x="0" y="0"/>
+            <a:ext cx="12192000" cy="6858000"/>
+          </a:xfrm>
+          <a:prstGeom prst="rect">
+            <a:avLst/>
+          </a:prstGeom>
+          <a:solidFill>
+            <a:schemeClr val="bg1"/>
+          </a:solidFill>
+          <a:ln>
+            <a:noFill/>
+          </a:ln>
+          <a:effectLst/>
+        </p:spPr>
+      </p:sp>
+      <p:sp>
+        <p:nvSpPr>
+          <p:cNvPr id="13" name="Rectangle 12"/>
+          <p:cNvSpPr>
+            <a:spLocks noGrp="1" noRot="1" noChangeAspect="1" noMove="1" noResize="1" noEditPoints="1" noAdjustHandles="1" noChangeArrowheads="1" noChangeShapeType="1" noTextEdit="1"/>
+          </p:cNvSpPr>
+          <p:nvPr>
+            <p:extLst>
+              <p:ext uri="{386F3935-93C4-4BCD-93E2-E3B085C9AB24}">
+                <p16:designElem xmlns:p16="http://schemas.microsoft.com/office/powerpoint/2015/main" val="1"/>
+              </p:ext>
+            </p:extLst>
+          </p:nvPr>
+        </p:nvSpPr>
+        <p:spPr bwMode="ltGray">
+          <a:xfrm>
+            <a:off x="378068" y="4633546"/>
+            <a:ext cx="11438793" cy="1844256"/>
+          </a:xfrm>
+          <a:prstGeom prst="rect">
+            <a:avLst/>
+          </a:prstGeom>
+          <a:solidFill>
+            <a:schemeClr val="tx1">
+              <a:lumMod val="75000"/>
+              <a:lumOff val="25000"/>
+            </a:schemeClr>
+          </a:solidFill>
+          <a:ln w="127000" cap="sq" cmpd="thinThick">
+            <a:solidFill>
+              <a:schemeClr val="tx1">
+                <a:lumMod val="75000"/>
+                <a:lumOff val="25000"/>
+              </a:schemeClr>
+            </a:solidFill>
+          </a:ln>
+        </p:spPr>
+        <p:style>
+          <a:lnRef idx="2">
+            <a:schemeClr val="accent1">
+              <a:shade val="50000"/>
+            </a:schemeClr>
+          </a:lnRef>
+          <a:fillRef idx="1">
+            <a:schemeClr val="accent1"/>
+          </a:fillRef>
+          <a:effectRef idx="0">
+            <a:schemeClr val="accent1"/>
+          </a:effectRef>
+          <a:fontRef idx="minor">
+            <a:schemeClr val="lt1"/>
+          </a:fontRef>
+        </p:style>
+        <p:txBody>
+          <a:bodyPr rtlCol="0" anchor="ctr"/>
+          <a:lstStyle/>
+          <a:p>
+            <a:pPr algn="ctr"/>
+            <a:endParaRPr lang="en-US"/>
+          </a:p>
+        </p:txBody>
+      </p:sp>
+      <p:cxnSp>
+        <p:nvCxnSpPr>
+          <p:cNvPr id="15" name="Straight Connector 14"/>
+          <p:cNvCxnSpPr>
+            <a:cxnSpLocks noGrp="1" noRot="1" noChangeAspect="1" noMove="1" noResize="1" noEditPoints="1" noAdjustHandles="1" noChangeArrowheads="1" noChangeShapeType="1"/>
+          </p:cNvCxnSpPr>
+          <p:nvPr>
+            <p:extLst>
+              <p:ext uri="{386F3935-93C4-4BCD-93E2-E3B085C9AB24}">
+                <p16:designElem xmlns:p16="http://schemas.microsoft.com/office/powerpoint/2015/main" val="1"/>
+              </p:ext>
+            </p:extLst>
+          </p:nvPr>
+        </p:nvCxnSpPr>
+        <p:spPr>
+          <a:xfrm>
+            <a:off x="2209800" y="5738691"/>
+            <a:ext cx="7772400" cy="0"/>
+          </a:xfrm>
+          <a:prstGeom prst="line">
+            <a:avLst/>
+          </a:prstGeom>
+          <a:ln w="22225">
+            <a:solidFill>
+              <a:schemeClr val="bg1">
+                <a:lumMod val="85000"/>
+              </a:schemeClr>
+            </a:solidFill>
+          </a:ln>
+        </p:spPr>
+        <p:style>
+          <a:lnRef idx="1">
+            <a:schemeClr val="accent1"/>
+          </a:lnRef>
+          <a:fillRef idx="0">
+            <a:schemeClr val="accent1"/>
+          </a:fillRef>
+          <a:effectRef idx="0">
+            <a:schemeClr val="accent1"/>
+          </a:effectRef>
+          <a:fontRef idx="minor">
+            <a:schemeClr val="tx1"/>
+          </a:fontRef>
+        </p:style>
+      </p:cxnSp>
+      <p:cxnSp>
+        <p:nvCxnSpPr>
+          <p:cNvPr id="17" name="Straight Connector 16"/>
+          <p:cNvCxnSpPr>
+            <a:cxnSpLocks noGrp="1" noRot="1" noChangeAspect="1" noMove="1" noResize="1" noEditPoints="1" noAdjustHandles="1" noChangeArrowheads="1" noChangeShapeType="1"/>
+          </p:cNvCxnSpPr>
+          <p:nvPr>
+            <p:extLst>
+              <p:ext uri="{386F3935-93C4-4BCD-93E2-E3B085C9AB24}">
+                <p16:designElem xmlns:p16="http://schemas.microsoft.com/office/powerpoint/2015/main" val="1"/>
+              </p:ext>
+            </p:extLst>
+          </p:nvPr>
+        </p:nvCxnSpPr>
+        <p:spPr>
+          <a:xfrm>
+            <a:off x="6096000" y="477749"/>
+            <a:ext cx="0" cy="3657600"/>
+          </a:xfrm>
+          <a:prstGeom prst="line">
+            <a:avLst/>
+          </a:prstGeom>
+          <a:ln w="101600" cmpd="dbl">
+            <a:solidFill>
+              <a:schemeClr val="tx1">
+                <a:lumMod val="65000"/>
+                <a:lumOff val="35000"/>
+              </a:schemeClr>
+            </a:solidFill>
+          </a:ln>
+        </p:spPr>
+        <p:style>
+          <a:lnRef idx="1">
+            <a:schemeClr val="accent1"/>
+          </a:lnRef>
+          <a:fillRef idx="0">
+            <a:schemeClr val="accent1"/>
+          </a:fillRef>
+          <a:effectRef idx="0">
+            <a:schemeClr val="accent1"/>
+          </a:effectRef>
+          <a:fontRef idx="minor">
+            <a:schemeClr val="tx1"/>
+          </a:fontRef>
+        </p:style>
+      </p:cxnSp>
+      <p:pic>
+        <p:nvPicPr>
+          <p:cNvPr id="4" name="Picture 3"/>
+          <p:cNvPicPr>
+            <a:picLocks noChangeAspect="1"/>
+          </p:cNvPicPr>
+          <p:nvPr/>
+        </p:nvPicPr>
+        <p:blipFill>
+          <a:blip r:embed="rId2">
+            <a:extLst>
+              <a:ext uri="{28A0092B-C50C-407E-A947-70E740481C1C}">
+                <a14:useLocalDpi xmlns:a14="http://schemas.microsoft.com/office/drawing/2010/main" val="0"/>
+              </a:ext>
+            </a:extLst>
+          </a:blip>
+          <a:stretch>
+            <a:fillRect/>
+          </a:stretch>
+        </p:blipFill>
+        <p:spPr>
+          <a:xfrm>
+            <a:off x="320040" y="485637"/>
+            <a:ext cx="5455917" cy="3641825"/>
+          </a:xfrm>
+          <a:prstGeom prst="rect">
+            <a:avLst/>
+          </a:prstGeom>
+        </p:spPr>
+      </p:pic>
+      <p:pic>
+        <p:nvPicPr>
+          <p:cNvPr id="6" name="Picture 5"/>
+          <p:cNvPicPr>
+            <a:picLocks noChangeAspect="1"/>
+          </p:cNvPicPr>
+          <p:nvPr/>
+        </p:nvPicPr>
+        <p:blipFill>
+          <a:blip r:embed="rId3">
+            <a:extLst>
+              <a:ext uri="{28A0092B-C50C-407E-A947-70E740481C1C}">
+                <a14:useLocalDpi xmlns:a14="http://schemas.microsoft.com/office/drawing/2010/main" val="0"/>
+              </a:ext>
+            </a:extLst>
+          </a:blip>
+          <a:stretch>
+            <a:fillRect/>
+          </a:stretch>
+        </p:blipFill>
+        <p:spPr>
+          <a:xfrm>
+            <a:off x="6416043" y="485637"/>
+            <a:ext cx="5455917" cy="3641825"/>
+          </a:xfrm>
+          <a:prstGeom prst="rect">
+            <a:avLst/>
+          </a:prstGeom>
+        </p:spPr>
+      </p:pic>
+      <p:sp>
+        <p:nvSpPr>
+          <p:cNvPr id="2" name="Title 1"/>
+          <p:cNvSpPr>
+            <a:spLocks noGrp="1"/>
+          </p:cNvSpPr>
+          <p:nvPr>
+            <p:ph type="title"/>
+          </p:nvPr>
+        </p:nvSpPr>
+        <p:spPr>
+          <a:xfrm>
+            <a:off x="527538" y="4756638"/>
+            <a:ext cx="11139854" cy="930447"/>
+          </a:xfrm>
+        </p:spPr>
+        <p:txBody>
+          <a:bodyPr vert="horz" lIns="91440" tIns="45720" rIns="91440" bIns="45720" rtlCol="0" anchor="b">
+            <a:normAutofit/>
+          </a:bodyPr>
+          <a:lstStyle/>
+          <a:p>
+            <a:pPr algn="ctr"/>
+            <a:r>
+              <a:rPr lang="en-US" sz="5400">
+                <a:solidFill>
+                  <a:schemeClr val="bg1"/>
+                </a:solidFill>
+              </a:rPr>
+              <a:t>Buzz Words of –  Children’s Books</a:t>
+            </a:r>
+          </a:p>
+        </p:txBody>
+      </p:sp>
+    </p:spTree>
+    <p:extLst>
+      <p:ext uri="{BB962C8B-B14F-4D97-AF65-F5344CB8AC3E}">
+        <p14:creationId xmlns:p14="http://schemas.microsoft.com/office/powerpoint/2010/main" val="953309499"/>
+      </p:ext>
+    </p:extLst>
+  </p:cSld>
+  <p:clrMapOvr>
+    <a:masterClrMapping/>
+  </p:clrMapOvr>
+</p:sld>
+</file>
+
+<file path=ppt/slides/slide12.xml><?xml version="1.0" encoding="utf-8"?>
+<p:sld xmlns:a="http://schemas.openxmlformats.org/drawingml/2006/main" xmlns:r="http://schemas.openxmlformats.org/officeDocument/2006/relationships" xmlns:p="http://schemas.openxmlformats.org/presentationml/2006/main">
+  <p:cSld>
+    <p:spTree>
+      <p:nvGrpSpPr>
+        <p:cNvPr id="1" name=""/>
+        <p:cNvGrpSpPr/>
+        <p:nvPr/>
+      </p:nvGrpSpPr>
+      <p:grpSpPr>
+        <a:xfrm>
+          <a:off x="0" y="0"/>
+          <a:ext cx="0" cy="0"/>
+          <a:chOff x="0" y="0"/>
+          <a:chExt cx="0" cy="0"/>
+        </a:xfrm>
+      </p:grpSpPr>
+      <p:sp>
+        <p:nvSpPr>
+          <p:cNvPr id="9" name="Rectangle 8"/>
+          <p:cNvSpPr>
+            <a:spLocks noGrp="1" noRot="1" noChangeAspect="1" noMove="1" noResize="1" noEditPoints="1" noAdjustHandles="1" noChangeArrowheads="1" noChangeShapeType="1" noTextEdit="1"/>
+          </p:cNvSpPr>
+          <p:nvPr>
+            <p:extLst>
+              <p:ext uri="{386F3935-93C4-4BCD-93E2-E3B085C9AB24}">
+                <p16:designElem xmlns:p16="http://schemas.microsoft.com/office/powerpoint/2015/main" val="1"/>
+              </p:ext>
+            </p:extLst>
+          </p:nvPr>
+        </p:nvSpPr>
+        <p:spPr bwMode="white">
+          <a:xfrm>
+            <a:off x="0" y="0"/>
+            <a:ext cx="12192000" cy="6858000"/>
+          </a:xfrm>
+          <a:prstGeom prst="rect">
+            <a:avLst/>
+          </a:prstGeom>
+          <a:solidFill>
+            <a:schemeClr val="bg1"/>
+          </a:solidFill>
+          <a:ln>
+            <a:noFill/>
+          </a:ln>
+          <a:effectLst/>
+        </p:spPr>
+      </p:sp>
+      <p:sp>
+        <p:nvSpPr>
+          <p:cNvPr id="11" name="Rectangle 10"/>
+          <p:cNvSpPr>
+            <a:spLocks noGrp="1" noRot="1" noChangeAspect="1" noMove="1" noResize="1" noEditPoints="1" noAdjustHandles="1" noChangeArrowheads="1" noChangeShapeType="1" noTextEdit="1"/>
+          </p:cNvSpPr>
+          <p:nvPr>
+            <p:extLst>
+              <p:ext uri="{386F3935-93C4-4BCD-93E2-E3B085C9AB24}">
+                <p16:designElem xmlns:p16="http://schemas.microsoft.com/office/powerpoint/2015/main" val="1"/>
+              </p:ext>
+            </p:extLst>
+          </p:nvPr>
+        </p:nvSpPr>
+        <p:spPr>
+          <a:xfrm>
+            <a:off x="0" y="651752"/>
+            <a:ext cx="12192000" cy="736551"/>
+          </a:xfrm>
+          <a:prstGeom prst="rect">
+            <a:avLst/>
+          </a:prstGeom>
+          <a:solidFill>
+            <a:schemeClr val="tx1">
+              <a:alpha val="75000"/>
+            </a:schemeClr>
+          </a:solidFill>
+          <a:ln>
+            <a:noFill/>
+          </a:ln>
+        </p:spPr>
+        <p:style>
+          <a:lnRef idx="2">
+            <a:schemeClr val="accent1">
+              <a:shade val="50000"/>
+            </a:schemeClr>
+          </a:lnRef>
+          <a:fillRef idx="1">
+            <a:schemeClr val="accent1"/>
+          </a:fillRef>
+          <a:effectRef idx="0">
+            <a:schemeClr val="accent1"/>
+          </a:effectRef>
+          <a:fontRef idx="minor">
+            <a:schemeClr val="lt1"/>
+          </a:fontRef>
+        </p:style>
+        <p:txBody>
+          <a:bodyPr rtlCol="0" anchor="ctr"/>
+          <a:lstStyle/>
+          <a:p>
+            <a:pPr algn="ctr"/>
+            <a:endParaRPr lang="en-US"/>
+          </a:p>
+        </p:txBody>
+      </p:sp>
+      <p:pic>
+        <p:nvPicPr>
+          <p:cNvPr id="4" name="Content Placeholder 3"/>
+          <p:cNvPicPr>
+            <a:picLocks noGrp="1" noChangeAspect="1"/>
+          </p:cNvPicPr>
+          <p:nvPr>
+            <p:ph idx="1"/>
+          </p:nvPr>
+        </p:nvPicPr>
+        <p:blipFill>
+          <a:blip r:embed="rId2">
+            <a:extLst>
+              <a:ext uri="{28A0092B-C50C-407E-A947-70E740481C1C}">
+                <a14:useLocalDpi xmlns:a14="http://schemas.microsoft.com/office/drawing/2010/main" val="0"/>
+              </a:ext>
+            </a:extLst>
+          </a:blip>
+          <a:stretch>
+            <a:fillRect/>
+          </a:stretch>
+        </p:blipFill>
+        <p:spPr>
+          <a:xfrm>
+            <a:off x="949913" y="1517111"/>
+            <a:ext cx="10424161" cy="5212080"/>
+          </a:xfrm>
+          <a:prstGeom prst="rect">
+            <a:avLst/>
+          </a:prstGeom>
+        </p:spPr>
+      </p:pic>
+      <p:sp>
+        <p:nvSpPr>
+          <p:cNvPr id="2" name="Title 1"/>
+          <p:cNvSpPr>
+            <a:spLocks noGrp="1"/>
+          </p:cNvSpPr>
+          <p:nvPr>
+            <p:ph type="title"/>
+          </p:nvPr>
+        </p:nvSpPr>
+        <p:spPr>
+          <a:xfrm>
+            <a:off x="556532" y="643467"/>
+            <a:ext cx="11210925" cy="744836"/>
+          </a:xfrm>
+        </p:spPr>
+        <p:txBody>
+          <a:bodyPr vert="horz" lIns="91440" tIns="45720" rIns="91440" bIns="45720" rtlCol="0" anchor="ctr">
+            <a:normAutofit/>
+          </a:bodyPr>
+          <a:lstStyle/>
+          <a:p>
+            <a:pPr algn="ctr"/>
+            <a:r>
+              <a:rPr lang="en-US" sz="3200" kern="1200">
+                <a:solidFill>
+                  <a:schemeClr val="bg1"/>
+                </a:solidFill>
+                <a:latin typeface="+mj-lt"/>
+                <a:ea typeface="+mj-ea"/>
+                <a:cs typeface="+mj-cs"/>
+              </a:rPr>
+              <a:t>Most Frequent Words – All Categories</a:t>
+            </a:r>
+          </a:p>
+        </p:txBody>
+      </p:sp>
+    </p:spTree>
+    <p:extLst>
+      <p:ext uri="{BB962C8B-B14F-4D97-AF65-F5344CB8AC3E}">
+        <p14:creationId xmlns:p14="http://schemas.microsoft.com/office/powerpoint/2010/main" val="629526798"/>
+      </p:ext>
+    </p:extLst>
+  </p:cSld>
+  <p:clrMapOvr>
+    <a:masterClrMapping/>
+  </p:clrMapOvr>
+</p:sld>
+</file>
+
 <file path=ppt/slides/slide2.xml><?xml version="1.0" encoding="utf-8"?>
 <p:sld xmlns:a="http://schemas.openxmlformats.org/drawingml/2006/main" xmlns:r="http://schemas.openxmlformats.org/officeDocument/2006/relationships" xmlns:p="http://schemas.openxmlformats.org/presentationml/2006/main">
   <p:cSld>
@@ -3063,19 +3876,21 @@
         </p:nvSpPr>
         <p:spPr>
           <a:xfrm>
-            <a:off x="5233182" y="365125"/>
+            <a:off x="6071383" y="2962415"/>
             <a:ext cx="6120617" cy="1325563"/>
           </a:xfrm>
         </p:spPr>
         <p:txBody>
-          <a:bodyPr/>
-          <a:lstStyle/>
-          <a:p>
-            <a:r>
-              <a:rPr lang="en-US" smtClean="0"/>
+          <a:bodyPr>
+            <a:normAutofit/>
+          </a:bodyPr>
+          <a:lstStyle/>
+          <a:p>
+            <a:r>
+              <a:rPr lang="en-US" dirty="0" smtClean="0"/>
               <a:t>Where Does Toronto Stand in the World?</a:t>
             </a:r>
-            <a:endParaRPr lang="en-US"/>
+            <a:endParaRPr lang="en-US" dirty="0"/>
           </a:p>
         </p:txBody>
       </p:sp>
@@ -3101,44 +3916,43 @@
         </p:blipFill>
         <p:spPr>
           <a:xfrm>
-            <a:off x="275861" y="1070787"/>
-            <a:ext cx="3124200" cy="5359400"/>
+            <a:off x="1351722" y="863088"/>
+            <a:ext cx="3220278" cy="5524217"/>
           </a:xfrm>
           <a:prstGeom prst="rect">
             <a:avLst/>
           </a:prstGeom>
         </p:spPr>
       </p:pic>
-      <p:pic>
-        <p:nvPicPr>
-          <p:cNvPr id="11" name="Picture 10"/>
-          <p:cNvPicPr>
-            <a:picLocks noChangeAspect="1"/>
-          </p:cNvPicPr>
+      <p:sp>
+        <p:nvSpPr>
+          <p:cNvPr id="3" name="TextBox 2"/>
+          <p:cNvSpPr txBox="1"/>
           <p:nvPr/>
-        </p:nvPicPr>
-        <p:blipFill>
-          <a:blip r:embed="rId3">
-            <a:extLst>
-              <a:ext uri="{28A0092B-C50C-407E-A947-70E740481C1C}">
-                <a14:useLocalDpi xmlns:a14="http://schemas.microsoft.com/office/drawing/2010/main" val="0"/>
-              </a:ext>
-            </a:extLst>
-          </a:blip>
-          <a:stretch>
-            <a:fillRect/>
-          </a:stretch>
-        </p:blipFill>
-        <p:spPr>
-          <a:xfrm>
-            <a:off x="3691011" y="2070515"/>
-            <a:ext cx="8239196" cy="4119598"/>
+        </p:nvSpPr>
+        <p:spPr>
+          <a:xfrm>
+            <a:off x="3159931" y="493756"/>
+            <a:ext cx="3697356" cy="369332"/>
           </a:xfrm>
           <a:prstGeom prst="rect">
             <a:avLst/>
           </a:prstGeom>
-        </p:spPr>
-      </p:pic>
+          <a:noFill/>
+        </p:spPr>
+        <p:txBody>
+          <a:bodyPr wrap="square" rtlCol="0">
+            <a:spAutoFit/>
+          </a:bodyPr>
+          <a:lstStyle/>
+          <a:p>
+            <a:r>
+              <a:rPr lang="en-US" b="1" u="sng" dirty="0"/>
+              <a:t>Number of campaigns in each city</a:t>
+            </a:r>
+          </a:p>
+        </p:txBody>
+      </p:sp>
     </p:spTree>
     <p:extLst>
       <p:ext uri="{BB962C8B-B14F-4D97-AF65-F5344CB8AC3E}">
@@ -3181,41 +3995,92 @@
         </p:nvSpPr>
         <p:spPr/>
         <p:txBody>
-          <a:bodyPr>
-            <a:normAutofit/>
-          </a:bodyPr>
-          <a:lstStyle/>
-          <a:p>
-            <a:r>
-              <a:rPr lang="en-US" sz="2400" dirty="0"/>
-              <a:t>Category:  technology/web</a:t>
-            </a:r>
-            <a:br>
-              <a:rPr lang="en-US" sz="2400" dirty="0"/>
-            </a:br>
-            <a:r>
-              <a:rPr lang="en-US" sz="2400" dirty="0"/>
-              <a:t># of Failed campaigns:  2502</a:t>
-            </a:r>
-            <a:br>
-              <a:rPr lang="en-US" sz="2400" dirty="0"/>
-            </a:br>
-            <a:r>
-              <a:rPr lang="en-US" sz="2400" dirty="0"/>
-              <a:t># of Successful campaigns:  222</a:t>
+          <a:bodyPr/>
+          <a:lstStyle/>
+          <a:p>
+            <a:r>
+              <a:rPr lang="en-US" dirty="0" smtClean="0"/>
+              <a:t>Toronto </a:t>
+            </a:r>
+            <a:r>
+              <a:rPr lang="mr-IN" dirty="0" smtClean="0"/>
+              <a:t>–</a:t>
+            </a:r>
+            <a:r>
+              <a:rPr lang="en-US" dirty="0" smtClean="0"/>
+              <a:t> Top 3 Most Successful Categories</a:t>
+            </a:r>
+            <a:endParaRPr lang="en-US" dirty="0"/>
+          </a:p>
+        </p:txBody>
+      </p:sp>
+      <p:sp>
+        <p:nvSpPr>
+          <p:cNvPr id="3" name="Content Placeholder 2"/>
+          <p:cNvSpPr>
+            <a:spLocks noGrp="1"/>
+          </p:cNvSpPr>
+          <p:nvPr>
+            <p:ph idx="1"/>
+          </p:nvPr>
+        </p:nvSpPr>
+        <p:spPr/>
+        <p:txBody>
+          <a:bodyPr/>
+          <a:lstStyle/>
+          <a:p>
+            <a:pPr>
+              <a:lnSpc>
+                <a:spcPct val="100000"/>
+              </a:lnSpc>
+              <a:spcBef>
+                <a:spcPts val="0"/>
+              </a:spcBef>
+            </a:pPr>
+            <a:r>
+              <a:rPr lang="en-US" dirty="0" smtClean="0"/>
+              <a:t>Children’s Books</a:t>
+            </a:r>
+          </a:p>
+          <a:p>
+            <a:pPr>
+              <a:lnSpc>
+                <a:spcPct val="100000"/>
+              </a:lnSpc>
+              <a:spcBef>
+                <a:spcPts val="0"/>
+              </a:spcBef>
+            </a:pPr>
+            <a:r>
+              <a:rPr lang="en-US" dirty="0" smtClean="0"/>
+              <a:t>Hardware</a:t>
+            </a:r>
+          </a:p>
+          <a:p>
+            <a:pPr>
+              <a:lnSpc>
+                <a:spcPct val="100000"/>
+              </a:lnSpc>
+              <a:spcBef>
+                <a:spcPts val="0"/>
+              </a:spcBef>
+            </a:pPr>
+            <a:r>
+              <a:rPr lang="en-US" dirty="0" smtClean="0"/>
+              <a:t>Theater plays</a:t>
             </a:r>
           </a:p>
         </p:txBody>
       </p:sp>
       <p:pic>
         <p:nvPicPr>
-          <p:cNvPr id="9" name="Picture 8"/>
+          <p:cNvPr id="4" name="Picture 3"/>
           <p:cNvPicPr>
             <a:picLocks noChangeAspect="1"/>
           </p:cNvPicPr>
           <p:nvPr/>
         </p:nvPicPr>
-        <p:blipFill>
+        <p:blipFill rotWithShape="1">
           <a:blip r:embed="rId2">
             <a:extLst>
               <a:ext uri="{28A0092B-C50C-407E-A947-70E740481C1C}">
@@ -3223,14 +4088,13 @@
               </a:ext>
             </a:extLst>
           </a:blip>
-          <a:stretch>
-            <a:fillRect/>
-          </a:stretch>
+          <a:srcRect r="48971"/>
+          <a:stretch/>
         </p:blipFill>
         <p:spPr>
           <a:xfrm>
-            <a:off x="1341120" y="1690688"/>
-            <a:ext cx="9509760" cy="4754880"/>
+            <a:off x="4625010" y="1242528"/>
+            <a:ext cx="5632174" cy="5518617"/>
           </a:xfrm>
           <a:prstGeom prst="rect">
             <a:avLst/>
@@ -3240,7 +4104,7 @@
     </p:spTree>
     <p:extLst>
       <p:ext uri="{BB962C8B-B14F-4D97-AF65-F5344CB8AC3E}">
-        <p14:creationId xmlns:p14="http://schemas.microsoft.com/office/powerpoint/2010/main" val="1407713581"/>
+        <p14:creationId xmlns:p14="http://schemas.microsoft.com/office/powerpoint/2010/main" val="99112502"/>
       </p:ext>
     </p:extLst>
   </p:cSld>
@@ -3277,35 +4141,86 @@
             <p:ph type="title"/>
           </p:nvPr>
         </p:nvSpPr>
-        <p:spPr>
-          <a:xfrm>
-            <a:off x="838200" y="422030"/>
-            <a:ext cx="10515600" cy="801859"/>
-          </a:xfrm>
-        </p:spPr>
-        <p:txBody>
-          <a:bodyPr>
-            <a:noAutofit/>
-          </a:bodyPr>
-          <a:lstStyle/>
-          <a:p>
-            <a:r>
-              <a:rPr lang="en-US" sz="2400" dirty="0"/>
-              <a:t>Category:  technology/hardware</a:t>
-            </a:r>
-            <a:br>
-              <a:rPr lang="en-US" sz="2400" dirty="0"/>
-            </a:br>
-            <a:r>
-              <a:rPr lang="en-US" sz="2400" dirty="0"/>
-              <a:t># of Failed campaigns:  1669</a:t>
-            </a:r>
-            <a:br>
-              <a:rPr lang="en-US" sz="2400" dirty="0"/>
-            </a:br>
-            <a:r>
-              <a:rPr lang="en-US" sz="2400" dirty="0"/>
-              <a:t># of Successful campaigns:  1078</a:t>
+        <p:spPr/>
+        <p:txBody>
+          <a:bodyPr/>
+          <a:lstStyle/>
+          <a:p>
+            <a:r>
+              <a:rPr lang="en-US" dirty="0" smtClean="0"/>
+              <a:t>Toronto </a:t>
+            </a:r>
+            <a:r>
+              <a:rPr lang="mr-IN" dirty="0" smtClean="0"/>
+              <a:t>–</a:t>
+            </a:r>
+            <a:r>
+              <a:rPr lang="en-US" dirty="0" smtClean="0"/>
+              <a:t> Top 3 Most Failed Categories</a:t>
+            </a:r>
+            <a:endParaRPr lang="en-US" dirty="0"/>
+          </a:p>
+        </p:txBody>
+      </p:sp>
+      <p:sp>
+        <p:nvSpPr>
+          <p:cNvPr id="3" name="Content Placeholder 2"/>
+          <p:cNvSpPr>
+            <a:spLocks noGrp="1"/>
+          </p:cNvSpPr>
+          <p:nvPr>
+            <p:ph idx="1"/>
+          </p:nvPr>
+        </p:nvSpPr>
+        <p:spPr>
+          <a:xfrm>
+            <a:off x="612913" y="1826167"/>
+            <a:ext cx="10515600" cy="4351338"/>
+          </a:xfrm>
+        </p:spPr>
+        <p:txBody>
+          <a:bodyPr/>
+          <a:lstStyle/>
+          <a:p>
+            <a:pPr>
+              <a:lnSpc>
+                <a:spcPct val="100000"/>
+              </a:lnSpc>
+              <a:spcBef>
+                <a:spcPts val="0"/>
+              </a:spcBef>
+            </a:pPr>
+            <a:r>
+              <a:rPr lang="en-US" dirty="0" smtClean="0"/>
+              <a:t>Apps</a:t>
+            </a:r>
+          </a:p>
+          <a:p>
+            <a:pPr>
+              <a:lnSpc>
+                <a:spcPct val="100000"/>
+              </a:lnSpc>
+              <a:spcBef>
+                <a:spcPts val="0"/>
+              </a:spcBef>
+            </a:pPr>
+            <a:r>
+              <a:rPr lang="en-US" dirty="0" smtClean="0"/>
+              <a:t>Web</a:t>
+            </a:r>
+          </a:p>
+          <a:p>
+            <a:pPr>
+              <a:lnSpc>
+                <a:spcPct val="100000"/>
+              </a:lnSpc>
+              <a:spcBef>
+                <a:spcPts val="0"/>
+              </a:spcBef>
+            </a:pPr>
+            <a:r>
+              <a:rPr lang="en-US" dirty="0" smtClean="0"/>
+              <a:t>Nonfiction books</a:t>
             </a:r>
           </a:p>
         </p:txBody>
@@ -3318,7 +4233,7 @@
           </p:cNvPicPr>
           <p:nvPr/>
         </p:nvPicPr>
-        <p:blipFill>
+        <p:blipFill rotWithShape="1">
           <a:blip r:embed="rId2">
             <a:extLst>
               <a:ext uri="{28A0092B-C50C-407E-A947-70E740481C1C}">
@@ -3326,14 +4241,13 @@
               </a:ext>
             </a:extLst>
           </a:blip>
-          <a:stretch>
-            <a:fillRect/>
-          </a:stretch>
+          <a:srcRect l="50189" t="-1755" r="-1218" b="1755"/>
+          <a:stretch/>
         </p:blipFill>
         <p:spPr>
           <a:xfrm>
-            <a:off x="1341120" y="1611867"/>
-            <a:ext cx="9509760" cy="4754880"/>
+            <a:off x="4625010" y="1242528"/>
+            <a:ext cx="5632174" cy="5518617"/>
           </a:xfrm>
           <a:prstGeom prst="rect">
             <a:avLst/>
@@ -3343,7 +4257,7 @@
     </p:spTree>
     <p:extLst>
       <p:ext uri="{BB962C8B-B14F-4D97-AF65-F5344CB8AC3E}">
-        <p14:creationId xmlns:p14="http://schemas.microsoft.com/office/powerpoint/2010/main" val="1370824903"/>
+        <p14:creationId xmlns:p14="http://schemas.microsoft.com/office/powerpoint/2010/main" val="694964676"/>
       </p:ext>
     </p:extLst>
   </p:cSld>
@@ -3380,7 +4294,12 @@
             <p:ph type="title"/>
           </p:nvPr>
         </p:nvSpPr>
-        <p:spPr/>
+        <p:spPr>
+          <a:xfrm>
+            <a:off x="838200" y="365125"/>
+            <a:ext cx="10515600" cy="3610527"/>
+          </a:xfrm>
+        </p:spPr>
         <p:txBody>
           <a:bodyPr>
             <a:normAutofit/>
@@ -3388,37 +4307,81 @@
           <a:lstStyle/>
           <a:p>
             <a:r>
+              <a:rPr lang="en-US" sz="3600" b="1" dirty="0" smtClean="0"/>
+              <a:t>Miserable Category</a:t>
+            </a:r>
+            <a:r>
+              <a:rPr lang="en-US" sz="3600" b="1" dirty="0"/>
+              <a:t>:  </a:t>
+            </a:r>
+            <a:r>
+              <a:rPr lang="en-US" sz="3600" b="1" dirty="0" smtClean="0"/>
+              <a:t>Web</a:t>
+            </a:r>
+            <a:r>
+              <a:rPr lang="en-US" sz="2400" dirty="0" smtClean="0"/>
+              <a:t/>
+            </a:r>
+            <a:br>
+              <a:rPr lang="en-US" sz="2400" dirty="0" smtClean="0"/>
+            </a:br>
+            <a:r>
               <a:rPr lang="en-US" sz="2400" dirty="0"/>
-              <a:t>Category:  film &amp; video/shorts</a:t>
+              <a:t/>
             </a:r>
             <a:br>
               <a:rPr lang="en-US" sz="2400" dirty="0"/>
             </a:br>
             <a:r>
               <a:rPr lang="en-US" sz="2400" dirty="0"/>
-              <a:t># of Failed campaigns:  0</a:t>
+              <a:t/>
             </a:r>
             <a:br>
               <a:rPr lang="en-US" sz="2400" dirty="0"/>
             </a:br>
             <a:r>
+              <a:rPr lang="en-US" sz="2400" dirty="0" smtClean="0"/>
+              <a:t>- # </a:t>
+            </a:r>
+            <a:r>
               <a:rPr lang="en-US" sz="2400" dirty="0"/>
-              <a:t># of Successful campaigns:  60</a:t>
-            </a:r>
+              <a:t>of Failed campaigns:  2502</a:t>
+            </a:r>
+            <a:br>
+              <a:rPr lang="en-US" sz="2400" dirty="0"/>
+            </a:br>
+            <a:r>
+              <a:rPr lang="en-US" sz="2400" dirty="0" smtClean="0"/>
+              <a:t>- # </a:t>
+            </a:r>
+            <a:r>
+              <a:rPr lang="en-US" sz="2400" dirty="0"/>
+              <a:t>of Successful campaigns:  </a:t>
+            </a:r>
+            <a:r>
+              <a:rPr lang="en-US" sz="2400" dirty="0" smtClean="0"/>
+              <a:t>222</a:t>
+            </a:r>
+            <a:br>
+              <a:rPr lang="en-US" sz="2400" dirty="0" smtClean="0"/>
+            </a:br>
+            <a:r>
+              <a:rPr lang="en-US" sz="2400" dirty="0" smtClean="0"/>
+              <a:t>- Success Rate: 8%</a:t>
+            </a:r>
+            <a:endParaRPr lang="en-US" sz="2400" dirty="0"/>
           </a:p>
         </p:txBody>
       </p:sp>
       <p:pic>
         <p:nvPicPr>
-          <p:cNvPr id="4" name="Content Placeholder 3"/>
+          <p:cNvPr id="9" name="Picture 8"/>
           <p:cNvPicPr>
-            <a:picLocks noGrp="1" noChangeAspect="1"/>
+            <a:picLocks noChangeAspect="1"/>
           </p:cNvPicPr>
-          <p:nvPr>
-            <p:ph idx="1"/>
-          </p:nvPr>
+          <p:nvPr/>
         </p:nvPicPr>
-        <p:blipFill>
+        <p:blipFill rotWithShape="1">
           <a:blip r:embed="rId2">
             <a:extLst>
               <a:ext uri="{28A0092B-C50C-407E-A947-70E740481C1C}">
@@ -3426,21 +4389,23 @@
               </a:ext>
             </a:extLst>
           </a:blip>
-          <a:stretch>
-            <a:fillRect/>
-          </a:stretch>
+          <a:srcRect r="48467"/>
+          <a:stretch/>
         </p:blipFill>
         <p:spPr>
           <a:xfrm>
-            <a:off x="1341120" y="1910292"/>
-            <a:ext cx="9509760" cy="4754880"/>
-          </a:xfrm>
+            <a:off x="5893905" y="1401488"/>
+            <a:ext cx="5459895" cy="5297486"/>
+          </a:xfrm>
+          <a:prstGeom prst="rect">
+            <a:avLst/>
+          </a:prstGeom>
         </p:spPr>
       </p:pic>
     </p:spTree>
     <p:extLst>
       <p:ext uri="{BB962C8B-B14F-4D97-AF65-F5344CB8AC3E}">
-        <p14:creationId xmlns:p14="http://schemas.microsoft.com/office/powerpoint/2010/main" val="1845988854"/>
+        <p14:creationId xmlns:p14="http://schemas.microsoft.com/office/powerpoint/2010/main" val="1407713581"/>
       </p:ext>
     </p:extLst>
   </p:cSld>
@@ -3477,19 +4442,307 @@
             <p:ph type="title"/>
           </p:nvPr>
         </p:nvSpPr>
-        <p:spPr/>
-        <p:txBody>
-          <a:bodyPr/>
-          <a:lstStyle/>
-          <a:p>
-            <a:r>
-              <a:rPr lang="en-US" dirty="0" smtClean="0"/>
-              <a:t>Failed Pledge/Goal Ratio</a:t>
-            </a:r>
-            <a:endParaRPr lang="en-US" dirty="0"/>
-          </a:p>
-        </p:txBody>
-      </p:sp>
+        <p:spPr>
+          <a:xfrm>
+            <a:off x="838200" y="365125"/>
+            <a:ext cx="10515600" cy="3610527"/>
+          </a:xfrm>
+        </p:spPr>
+        <p:txBody>
+          <a:bodyPr>
+            <a:normAutofit/>
+          </a:bodyPr>
+          <a:lstStyle/>
+          <a:p>
+            <a:r>
+              <a:rPr lang="en-US" sz="3600" b="1" dirty="0" smtClean="0"/>
+              <a:t>Good Category</a:t>
+            </a:r>
+            <a:r>
+              <a:rPr lang="en-US" sz="3600" b="1" dirty="0"/>
+              <a:t>:  </a:t>
+            </a:r>
+            <a:r>
+              <a:rPr lang="en-US" sz="3600" b="1" dirty="0" smtClean="0"/>
+              <a:t>Hardware</a:t>
+            </a:r>
+            <a:r>
+              <a:rPr lang="en-US" sz="2400" dirty="0" smtClean="0"/>
+              <a:t/>
+            </a:r>
+            <a:br>
+              <a:rPr lang="en-US" sz="2400" dirty="0" smtClean="0"/>
+            </a:br>
+            <a:r>
+              <a:rPr lang="en-US" sz="2400" dirty="0"/>
+              <a:t/>
+            </a:r>
+            <a:br>
+              <a:rPr lang="en-US" sz="2400" dirty="0"/>
+            </a:br>
+            <a:r>
+              <a:rPr lang="en-US" sz="2400" dirty="0"/>
+              <a:t/>
+            </a:r>
+            <a:br>
+              <a:rPr lang="en-US" sz="2400" dirty="0"/>
+            </a:br>
+            <a:r>
+              <a:rPr lang="en-US" sz="2400" dirty="0" smtClean="0"/>
+              <a:t>- # </a:t>
+            </a:r>
+            <a:r>
+              <a:rPr lang="en-US" sz="2400" dirty="0"/>
+              <a:t>of Failed campaigns:  </a:t>
+            </a:r>
+            <a:r>
+              <a:rPr lang="en-US" sz="2400" dirty="0" smtClean="0"/>
+              <a:t>1669</a:t>
+            </a:r>
+            <a:r>
+              <a:rPr lang="en-US" sz="2400" dirty="0"/>
+              <a:t/>
+            </a:r>
+            <a:br>
+              <a:rPr lang="en-US" sz="2400" dirty="0"/>
+            </a:br>
+            <a:r>
+              <a:rPr lang="en-US" sz="2400" dirty="0" smtClean="0"/>
+              <a:t>- # </a:t>
+            </a:r>
+            <a:r>
+              <a:rPr lang="en-US" sz="2400" dirty="0"/>
+              <a:t>of Successful campaigns:  </a:t>
+            </a:r>
+            <a:r>
+              <a:rPr lang="en-US" sz="2400" dirty="0" smtClean="0"/>
+              <a:t>1078</a:t>
+            </a:r>
+            <a:br>
+              <a:rPr lang="en-US" sz="2400" dirty="0" smtClean="0"/>
+            </a:br>
+            <a:r>
+              <a:rPr lang="en-US" sz="2400" dirty="0" smtClean="0"/>
+              <a:t>- Success : 40%</a:t>
+            </a:r>
+            <a:endParaRPr lang="en-US" sz="2400" dirty="0"/>
+          </a:p>
+        </p:txBody>
+      </p:sp>
+      <p:pic>
+        <p:nvPicPr>
+          <p:cNvPr id="4" name="Picture 3"/>
+          <p:cNvPicPr>
+            <a:picLocks noChangeAspect="1"/>
+          </p:cNvPicPr>
+          <p:nvPr/>
+        </p:nvPicPr>
+        <p:blipFill rotWithShape="1">
+          <a:blip r:embed="rId2">
+            <a:extLst>
+              <a:ext uri="{28A0092B-C50C-407E-A947-70E740481C1C}">
+                <a14:useLocalDpi xmlns:a14="http://schemas.microsoft.com/office/drawing/2010/main" val="0"/>
+              </a:ext>
+            </a:extLst>
+          </a:blip>
+          <a:srcRect r="49861"/>
+          <a:stretch/>
+        </p:blipFill>
+        <p:spPr>
+          <a:xfrm>
+            <a:off x="5805778" y="1454315"/>
+            <a:ext cx="5298219" cy="5283494"/>
+          </a:xfrm>
+          <a:prstGeom prst="rect">
+            <a:avLst/>
+          </a:prstGeom>
+        </p:spPr>
+      </p:pic>
+    </p:spTree>
+    <p:extLst>
+      <p:ext uri="{BB962C8B-B14F-4D97-AF65-F5344CB8AC3E}">
+        <p14:creationId xmlns:p14="http://schemas.microsoft.com/office/powerpoint/2010/main" val="261669673"/>
+      </p:ext>
+    </p:extLst>
+  </p:cSld>
+  <p:clrMapOvr>
+    <a:masterClrMapping/>
+  </p:clrMapOvr>
+</p:sld>
+</file>
+
+<file path=ppt/slides/slide7.xml><?xml version="1.0" encoding="utf-8"?>
+<p:sld xmlns:a="http://schemas.openxmlformats.org/drawingml/2006/main" xmlns:r="http://schemas.openxmlformats.org/officeDocument/2006/relationships" xmlns:p="http://schemas.openxmlformats.org/presentationml/2006/main">
+  <p:cSld>
+    <p:spTree>
+      <p:nvGrpSpPr>
+        <p:cNvPr id="1" name=""/>
+        <p:cNvGrpSpPr/>
+        <p:nvPr/>
+      </p:nvGrpSpPr>
+      <p:grpSpPr>
+        <a:xfrm>
+          <a:off x="0" y="0"/>
+          <a:ext cx="0" cy="0"/>
+          <a:chOff x="0" y="0"/>
+          <a:chExt cx="0" cy="0"/>
+        </a:xfrm>
+      </p:grpSpPr>
+      <p:sp>
+        <p:nvSpPr>
+          <p:cNvPr id="2" name="Title 1"/>
+          <p:cNvSpPr>
+            <a:spLocks noGrp="1"/>
+          </p:cNvSpPr>
+          <p:nvPr>
+            <p:ph type="title"/>
+          </p:nvPr>
+        </p:nvSpPr>
+        <p:spPr>
+          <a:xfrm>
+            <a:off x="838200" y="365125"/>
+            <a:ext cx="10515600" cy="3610527"/>
+          </a:xfrm>
+        </p:spPr>
+        <p:txBody>
+          <a:bodyPr>
+            <a:normAutofit/>
+          </a:bodyPr>
+          <a:lstStyle/>
+          <a:p>
+            <a:r>
+              <a:rPr lang="en-US" sz="3600" b="1" dirty="0" smtClean="0"/>
+              <a:t>Good Category</a:t>
+            </a:r>
+            <a:r>
+              <a:rPr lang="en-US" sz="3600" b="1" dirty="0"/>
+              <a:t>:  </a:t>
+            </a:r>
+            <a:r>
+              <a:rPr lang="en-US" sz="3600" b="1" dirty="0" smtClean="0"/>
+              <a:t>Film &amp; Short Videos</a:t>
+            </a:r>
+            <a:r>
+              <a:rPr lang="en-US" sz="2400" dirty="0" smtClean="0"/>
+              <a:t/>
+            </a:r>
+            <a:br>
+              <a:rPr lang="en-US" sz="2400" dirty="0" smtClean="0"/>
+            </a:br>
+            <a:r>
+              <a:rPr lang="en-US" sz="2400" dirty="0"/>
+              <a:t/>
+            </a:r>
+            <a:br>
+              <a:rPr lang="en-US" sz="2400" dirty="0"/>
+            </a:br>
+            <a:r>
+              <a:rPr lang="en-US" sz="2400" dirty="0"/>
+              <a:t/>
+            </a:r>
+            <a:br>
+              <a:rPr lang="en-US" sz="2400" dirty="0"/>
+            </a:br>
+            <a:r>
+              <a:rPr lang="en-US" sz="2400" dirty="0" smtClean="0"/>
+              <a:t>- # </a:t>
+            </a:r>
+            <a:r>
+              <a:rPr lang="en-US" sz="2400" dirty="0"/>
+              <a:t>of Failed campaigns:  </a:t>
+            </a:r>
+            <a:r>
+              <a:rPr lang="en-US" sz="2400" dirty="0" smtClean="0"/>
+              <a:t>0</a:t>
+            </a:r>
+            <a:r>
+              <a:rPr lang="en-US" sz="2400" dirty="0"/>
+              <a:t/>
+            </a:r>
+            <a:br>
+              <a:rPr lang="en-US" sz="2400" dirty="0"/>
+            </a:br>
+            <a:r>
+              <a:rPr lang="en-US" sz="2400" dirty="0" smtClean="0"/>
+              <a:t>- # </a:t>
+            </a:r>
+            <a:r>
+              <a:rPr lang="en-US" sz="2400" dirty="0"/>
+              <a:t>of Successful campaigns:  </a:t>
+            </a:r>
+            <a:r>
+              <a:rPr lang="en-US" sz="2400" dirty="0" smtClean="0"/>
+              <a:t>60</a:t>
+            </a:r>
+            <a:br>
+              <a:rPr lang="en-US" sz="2400" dirty="0" smtClean="0"/>
+            </a:br>
+            <a:r>
+              <a:rPr lang="en-US" sz="2400" dirty="0" smtClean="0"/>
+              <a:t>- Success Rate: 100%</a:t>
+            </a:r>
+            <a:endParaRPr lang="en-US" sz="2400" dirty="0"/>
+          </a:p>
+        </p:txBody>
+      </p:sp>
+      <p:pic>
+        <p:nvPicPr>
+          <p:cNvPr id="5" name="Content Placeholder 3"/>
+          <p:cNvPicPr>
+            <a:picLocks noGrp="1" noChangeAspect="1"/>
+          </p:cNvPicPr>
+          <p:nvPr>
+            <p:ph idx="1"/>
+          </p:nvPr>
+        </p:nvPicPr>
+        <p:blipFill rotWithShape="1">
+          <a:blip r:embed="rId2">
+            <a:extLst>
+              <a:ext uri="{28A0092B-C50C-407E-A947-70E740481C1C}">
+                <a14:useLocalDpi xmlns:a14="http://schemas.microsoft.com/office/drawing/2010/main" val="0"/>
+              </a:ext>
+            </a:extLst>
+          </a:blip>
+          <a:srcRect r="49721"/>
+          <a:stretch/>
+        </p:blipFill>
+        <p:spPr>
+          <a:xfrm>
+            <a:off x="6096000" y="1554480"/>
+            <a:ext cx="5333084" cy="5303520"/>
+          </a:xfrm>
+        </p:spPr>
+      </p:pic>
+    </p:spTree>
+    <p:extLst>
+      <p:ext uri="{BB962C8B-B14F-4D97-AF65-F5344CB8AC3E}">
+        <p14:creationId xmlns:p14="http://schemas.microsoft.com/office/powerpoint/2010/main" val="73284542"/>
+      </p:ext>
+    </p:extLst>
+  </p:cSld>
+  <p:clrMapOvr>
+    <a:masterClrMapping/>
+  </p:clrMapOvr>
+</p:sld>
+</file>
+
+<file path=ppt/slides/slide8.xml><?xml version="1.0" encoding="utf-8"?>
+<p:sld xmlns:a="http://schemas.openxmlformats.org/drawingml/2006/main" xmlns:r="http://schemas.openxmlformats.org/officeDocument/2006/relationships" xmlns:p="http://schemas.openxmlformats.org/presentationml/2006/main">
+  <p:cSld>
+    <p:spTree>
+      <p:nvGrpSpPr>
+        <p:cNvPr id="1" name=""/>
+        <p:cNvGrpSpPr/>
+        <p:nvPr/>
+      </p:nvGrpSpPr>
+      <p:grpSpPr>
+        <a:xfrm>
+          <a:off x="0" y="0"/>
+          <a:ext cx="0" cy="0"/>
+          <a:chOff x="0" y="0"/>
+          <a:chExt cx="0" cy="0"/>
+        </a:xfrm>
+      </p:grpSpPr>
       <p:pic>
         <p:nvPicPr>
           <p:cNvPr id="4" name="Content Placeholder 3"/>
@@ -3499,6 +4752,489 @@
           <p:nvPr>
             <p:ph idx="1"/>
           </p:nvPr>
+        </p:nvPicPr>
+        <p:blipFill rotWithShape="1">
+          <a:blip r:embed="rId2">
+            <a:extLst>
+              <a:ext uri="{28A0092B-C50C-407E-A947-70E740481C1C}">
+                <a14:useLocalDpi xmlns:a14="http://schemas.microsoft.com/office/drawing/2010/main" val="0"/>
+              </a:ext>
+            </a:extLst>
+          </a:blip>
+          <a:srcRect l="5864" r="10158" b="-1"/>
+          <a:stretch/>
+        </p:blipFill>
+        <p:spPr>
+          <a:xfrm>
+            <a:off x="4639056" y="10"/>
+            <a:ext cx="7552944" cy="6857990"/>
+          </a:xfrm>
+          <a:prstGeom prst="rect">
+            <a:avLst/>
+          </a:prstGeom>
+          <a:effectLst/>
+        </p:spPr>
+      </p:pic>
+      <p:sp>
+        <p:nvSpPr>
+          <p:cNvPr id="2" name="Title 1"/>
+          <p:cNvSpPr>
+            <a:spLocks noGrp="1"/>
+          </p:cNvSpPr>
+          <p:nvPr>
+            <p:ph type="title"/>
+          </p:nvPr>
+        </p:nvSpPr>
+        <p:spPr>
+          <a:xfrm>
+            <a:off x="648929" y="629266"/>
+            <a:ext cx="3651467" cy="1676603"/>
+          </a:xfrm>
+        </p:spPr>
+        <p:txBody>
+          <a:bodyPr vert="horz" lIns="91440" tIns="45720" rIns="91440" bIns="45720" rtlCol="0" anchor="ctr">
+            <a:normAutofit/>
+          </a:bodyPr>
+          <a:lstStyle/>
+          <a:p>
+            <a:r>
+              <a:rPr lang="en-US" dirty="0"/>
+              <a:t>Success vs. Fail Goal</a:t>
+            </a:r>
+          </a:p>
+        </p:txBody>
+      </p:sp>
+      <p:sp>
+        <p:nvSpPr>
+          <p:cNvPr id="5" name="Content Placeholder 2"/>
+          <p:cNvSpPr txBox="1">
+            <a:spLocks/>
+          </p:cNvSpPr>
+          <p:nvPr/>
+        </p:nvSpPr>
+        <p:spPr>
+          <a:xfrm>
+            <a:off x="648931" y="2438400"/>
+            <a:ext cx="3651466" cy="3785419"/>
+          </a:xfrm>
+          <a:prstGeom prst="rect">
+            <a:avLst/>
+          </a:prstGeom>
+        </p:spPr>
+        <p:txBody>
+          <a:bodyPr vert="horz" lIns="91440" tIns="45720" rIns="91440" bIns="45720" rtlCol="0">
+            <a:normAutofit/>
+          </a:bodyPr>
+          <a:lstStyle>
+            <a:lvl1pPr marL="228600" indent="-228600" algn="l" defTabSz="914400" rtl="0" eaLnBrk="1" latinLnBrk="0" hangingPunct="1">
+              <a:lnSpc>
+                <a:spcPct val="90000"/>
+              </a:lnSpc>
+              <a:spcBef>
+                <a:spcPts val="1000"/>
+              </a:spcBef>
+              <a:buFont typeface="Arial"/>
+              <a:buChar char="•"/>
+              <a:defRPr sz="2800" kern="1200">
+                <a:solidFill>
+                  <a:schemeClr val="tx1"/>
+                </a:solidFill>
+                <a:latin typeface="+mn-lt"/>
+                <a:ea typeface="+mn-ea"/>
+                <a:cs typeface="+mn-cs"/>
+              </a:defRPr>
+            </a:lvl1pPr>
+            <a:lvl2pPr marL="685800" indent="-228600" algn="l" defTabSz="914400" rtl="0" eaLnBrk="1" latinLnBrk="0" hangingPunct="1">
+              <a:lnSpc>
+                <a:spcPct val="90000"/>
+              </a:lnSpc>
+              <a:spcBef>
+                <a:spcPts val="500"/>
+              </a:spcBef>
+              <a:buFont typeface="Arial"/>
+              <a:buChar char="•"/>
+              <a:defRPr sz="2400" kern="1200">
+                <a:solidFill>
+                  <a:schemeClr val="tx1"/>
+                </a:solidFill>
+                <a:latin typeface="+mn-lt"/>
+                <a:ea typeface="+mn-ea"/>
+                <a:cs typeface="+mn-cs"/>
+              </a:defRPr>
+            </a:lvl2pPr>
+            <a:lvl3pPr marL="1143000" indent="-228600" algn="l" defTabSz="914400" rtl="0" eaLnBrk="1" latinLnBrk="0" hangingPunct="1">
+              <a:lnSpc>
+                <a:spcPct val="90000"/>
+              </a:lnSpc>
+              <a:spcBef>
+                <a:spcPts val="500"/>
+              </a:spcBef>
+              <a:buFont typeface="Arial"/>
+              <a:buChar char="•"/>
+              <a:defRPr sz="2000" kern="1200">
+                <a:solidFill>
+                  <a:schemeClr val="tx1"/>
+                </a:solidFill>
+                <a:latin typeface="+mn-lt"/>
+                <a:ea typeface="+mn-ea"/>
+                <a:cs typeface="+mn-cs"/>
+              </a:defRPr>
+            </a:lvl3pPr>
+            <a:lvl4pPr marL="1600200" indent="-228600" algn="l" defTabSz="914400" rtl="0" eaLnBrk="1" latinLnBrk="0" hangingPunct="1">
+              <a:lnSpc>
+                <a:spcPct val="90000"/>
+              </a:lnSpc>
+              <a:spcBef>
+                <a:spcPts val="500"/>
+              </a:spcBef>
+              <a:buFont typeface="Arial"/>
+              <a:buChar char="•"/>
+              <a:defRPr sz="1800" kern="1200">
+                <a:solidFill>
+                  <a:schemeClr val="tx1"/>
+                </a:solidFill>
+                <a:latin typeface="+mn-lt"/>
+                <a:ea typeface="+mn-ea"/>
+                <a:cs typeface="+mn-cs"/>
+              </a:defRPr>
+            </a:lvl4pPr>
+            <a:lvl5pPr marL="2057400" indent="-228600" algn="l" defTabSz="914400" rtl="0" eaLnBrk="1" latinLnBrk="0" hangingPunct="1">
+              <a:lnSpc>
+                <a:spcPct val="90000"/>
+              </a:lnSpc>
+              <a:spcBef>
+                <a:spcPts val="500"/>
+              </a:spcBef>
+              <a:buFont typeface="Arial"/>
+              <a:buChar char="•"/>
+              <a:defRPr sz="1800" kern="1200">
+                <a:solidFill>
+                  <a:schemeClr val="tx1"/>
+                </a:solidFill>
+                <a:latin typeface="+mn-lt"/>
+                <a:ea typeface="+mn-ea"/>
+                <a:cs typeface="+mn-cs"/>
+              </a:defRPr>
+            </a:lvl5pPr>
+            <a:lvl6pPr marL="2514600" indent="-228600" algn="l" defTabSz="914400" rtl="0" eaLnBrk="1" latinLnBrk="0" hangingPunct="1">
+              <a:lnSpc>
+                <a:spcPct val="90000"/>
+              </a:lnSpc>
+              <a:spcBef>
+                <a:spcPts val="500"/>
+              </a:spcBef>
+              <a:buFont typeface="Arial"/>
+              <a:buChar char="•"/>
+              <a:defRPr sz="1800" kern="1200">
+                <a:solidFill>
+                  <a:schemeClr val="tx1"/>
+                </a:solidFill>
+                <a:latin typeface="+mn-lt"/>
+                <a:ea typeface="+mn-ea"/>
+                <a:cs typeface="+mn-cs"/>
+              </a:defRPr>
+            </a:lvl6pPr>
+            <a:lvl7pPr marL="2971800" indent="-228600" algn="l" defTabSz="914400" rtl="0" eaLnBrk="1" latinLnBrk="0" hangingPunct="1">
+              <a:lnSpc>
+                <a:spcPct val="90000"/>
+              </a:lnSpc>
+              <a:spcBef>
+                <a:spcPts val="500"/>
+              </a:spcBef>
+              <a:buFont typeface="Arial"/>
+              <a:buChar char="•"/>
+              <a:defRPr sz="1800" kern="1200">
+                <a:solidFill>
+                  <a:schemeClr val="tx1"/>
+                </a:solidFill>
+                <a:latin typeface="+mn-lt"/>
+                <a:ea typeface="+mn-ea"/>
+                <a:cs typeface="+mn-cs"/>
+              </a:defRPr>
+            </a:lvl7pPr>
+            <a:lvl8pPr marL="3429000" indent="-228600" algn="l" defTabSz="914400" rtl="0" eaLnBrk="1" latinLnBrk="0" hangingPunct="1">
+              <a:lnSpc>
+                <a:spcPct val="90000"/>
+              </a:lnSpc>
+              <a:spcBef>
+                <a:spcPts val="500"/>
+              </a:spcBef>
+              <a:buFont typeface="Arial"/>
+              <a:buChar char="•"/>
+              <a:defRPr sz="1800" kern="1200">
+                <a:solidFill>
+                  <a:schemeClr val="tx1"/>
+                </a:solidFill>
+                <a:latin typeface="+mn-lt"/>
+                <a:ea typeface="+mn-ea"/>
+                <a:cs typeface="+mn-cs"/>
+              </a:defRPr>
+            </a:lvl8pPr>
+            <a:lvl9pPr marL="3886200" indent="-228600" algn="l" defTabSz="914400" rtl="0" eaLnBrk="1" latinLnBrk="0" hangingPunct="1">
+              <a:lnSpc>
+                <a:spcPct val="90000"/>
+              </a:lnSpc>
+              <a:spcBef>
+                <a:spcPts val="500"/>
+              </a:spcBef>
+              <a:buFont typeface="Arial"/>
+              <a:buChar char="•"/>
+              <a:defRPr sz="1800" kern="1200">
+                <a:solidFill>
+                  <a:schemeClr val="tx1"/>
+                </a:solidFill>
+                <a:latin typeface="+mn-lt"/>
+                <a:ea typeface="+mn-ea"/>
+                <a:cs typeface="+mn-cs"/>
+              </a:defRPr>
+            </a:lvl9pPr>
+          </a:lstStyle>
+          <a:p>
+            <a:pPr>
+              <a:spcBef>
+                <a:spcPts val="0"/>
+              </a:spcBef>
+              <a:buFont typeface="Arial" panose="020B0604020202020204" pitchFamily="34" charset="0"/>
+              <a:buChar char="•"/>
+            </a:pPr>
+            <a:endParaRPr lang="en-US" sz="1800"/>
+          </a:p>
+          <a:p>
+            <a:pPr>
+              <a:spcBef>
+                <a:spcPts val="0"/>
+              </a:spcBef>
+              <a:buFont typeface="Arial" panose="020B0604020202020204" pitchFamily="34" charset="0"/>
+              <a:buChar char="•"/>
+            </a:pPr>
+            <a:r>
+              <a:rPr lang="en-US" sz="1800"/>
+              <a:t>Failed goal usually aim too high</a:t>
+            </a:r>
+          </a:p>
+        </p:txBody>
+      </p:sp>
+    </p:spTree>
+    <p:extLst>
+      <p:ext uri="{BB962C8B-B14F-4D97-AF65-F5344CB8AC3E}">
+        <p14:creationId xmlns:p14="http://schemas.microsoft.com/office/powerpoint/2010/main" val="4239735993"/>
+      </p:ext>
+    </p:extLst>
+  </p:cSld>
+  <p:clrMapOvr>
+    <a:masterClrMapping/>
+  </p:clrMapOvr>
+</p:sld>
+</file>
+
+<file path=ppt/slides/slide9.xml><?xml version="1.0" encoding="utf-8"?>
+<p:sld xmlns:a="http://schemas.openxmlformats.org/drawingml/2006/main" xmlns:r="http://schemas.openxmlformats.org/officeDocument/2006/relationships" xmlns:p="http://schemas.openxmlformats.org/presentationml/2006/main">
+  <p:cSld>
+    <p:spTree>
+      <p:nvGrpSpPr>
+        <p:cNvPr id="1" name=""/>
+        <p:cNvGrpSpPr/>
+        <p:nvPr/>
+      </p:nvGrpSpPr>
+      <p:grpSpPr>
+        <a:xfrm>
+          <a:off x="0" y="0"/>
+          <a:ext cx="0" cy="0"/>
+          <a:chOff x="0" y="0"/>
+          <a:chExt cx="0" cy="0"/>
+        </a:xfrm>
+      </p:grpSpPr>
+      <p:sp>
+        <p:nvSpPr>
+          <p:cNvPr id="10" name="Rectangle 9"/>
+          <p:cNvSpPr>
+            <a:spLocks noGrp="1" noRot="1" noChangeAspect="1" noMove="1" noResize="1" noEditPoints="1" noAdjustHandles="1" noChangeArrowheads="1" noChangeShapeType="1" noTextEdit="1"/>
+          </p:cNvSpPr>
+          <p:nvPr>
+            <p:extLst>
+              <p:ext uri="{386F3935-93C4-4BCD-93E2-E3B085C9AB24}">
+                <p16:designElem xmlns:p16="http://schemas.microsoft.com/office/powerpoint/2015/main" val="1"/>
+              </p:ext>
+            </p:extLst>
+          </p:nvPr>
+        </p:nvSpPr>
+        <p:spPr bwMode="white">
+          <a:xfrm>
+            <a:off x="0" y="0"/>
+            <a:ext cx="12192000" cy="6858000"/>
+          </a:xfrm>
+          <a:prstGeom prst="rect">
+            <a:avLst/>
+          </a:prstGeom>
+          <a:solidFill>
+            <a:schemeClr val="bg1"/>
+          </a:solidFill>
+          <a:ln>
+            <a:noFill/>
+          </a:ln>
+          <a:effectLst/>
+        </p:spPr>
+      </p:sp>
+      <p:sp>
+        <p:nvSpPr>
+          <p:cNvPr id="12" name="Rectangle 11"/>
+          <p:cNvSpPr>
+            <a:spLocks noGrp="1" noRot="1" noChangeAspect="1" noMove="1" noResize="1" noEditPoints="1" noAdjustHandles="1" noChangeArrowheads="1" noChangeShapeType="1" noTextEdit="1"/>
+          </p:cNvSpPr>
+          <p:nvPr>
+            <p:extLst>
+              <p:ext uri="{386F3935-93C4-4BCD-93E2-E3B085C9AB24}">
+                <p16:designElem xmlns:p16="http://schemas.microsoft.com/office/powerpoint/2015/main" val="1"/>
+              </p:ext>
+            </p:extLst>
+          </p:nvPr>
+        </p:nvSpPr>
+        <p:spPr bwMode="ltGray">
+          <a:xfrm>
+            <a:off x="378068" y="4633546"/>
+            <a:ext cx="11438793" cy="1844256"/>
+          </a:xfrm>
+          <a:prstGeom prst="rect">
+            <a:avLst/>
+          </a:prstGeom>
+          <a:solidFill>
+            <a:schemeClr val="tx1">
+              <a:lumMod val="75000"/>
+              <a:lumOff val="25000"/>
+            </a:schemeClr>
+          </a:solidFill>
+          <a:ln w="127000" cap="sq" cmpd="thinThick">
+            <a:solidFill>
+              <a:schemeClr val="tx1">
+                <a:lumMod val="75000"/>
+                <a:lumOff val="25000"/>
+              </a:schemeClr>
+            </a:solidFill>
+          </a:ln>
+        </p:spPr>
+        <p:style>
+          <a:lnRef idx="2">
+            <a:schemeClr val="accent1">
+              <a:shade val="50000"/>
+            </a:schemeClr>
+          </a:lnRef>
+          <a:fillRef idx="1">
+            <a:schemeClr val="accent1"/>
+          </a:fillRef>
+          <a:effectRef idx="0">
+            <a:schemeClr val="accent1"/>
+          </a:effectRef>
+          <a:fontRef idx="minor">
+            <a:schemeClr val="lt1"/>
+          </a:fontRef>
+        </p:style>
+        <p:txBody>
+          <a:bodyPr rtlCol="0" anchor="ctr"/>
+          <a:lstStyle/>
+          <a:p>
+            <a:pPr algn="ctr"/>
+            <a:endParaRPr lang="en-US"/>
+          </a:p>
+        </p:txBody>
+      </p:sp>
+      <p:cxnSp>
+        <p:nvCxnSpPr>
+          <p:cNvPr id="14" name="Straight Connector 13"/>
+          <p:cNvCxnSpPr>
+            <a:cxnSpLocks noGrp="1" noRot="1" noChangeAspect="1" noMove="1" noResize="1" noEditPoints="1" noAdjustHandles="1" noChangeArrowheads="1" noChangeShapeType="1"/>
+          </p:cNvCxnSpPr>
+          <p:nvPr>
+            <p:extLst>
+              <p:ext uri="{386F3935-93C4-4BCD-93E2-E3B085C9AB24}">
+                <p16:designElem xmlns:p16="http://schemas.microsoft.com/office/powerpoint/2015/main" val="1"/>
+              </p:ext>
+            </p:extLst>
+          </p:nvPr>
+        </p:nvCxnSpPr>
+        <p:spPr>
+          <a:xfrm>
+            <a:off x="2209800" y="5738691"/>
+            <a:ext cx="7772400" cy="0"/>
+          </a:xfrm>
+          <a:prstGeom prst="line">
+            <a:avLst/>
+          </a:prstGeom>
+          <a:ln w="22225">
+            <a:solidFill>
+              <a:schemeClr val="bg1">
+                <a:lumMod val="85000"/>
+              </a:schemeClr>
+            </a:solidFill>
+          </a:ln>
+        </p:spPr>
+        <p:style>
+          <a:lnRef idx="1">
+            <a:schemeClr val="accent1"/>
+          </a:lnRef>
+          <a:fillRef idx="0">
+            <a:schemeClr val="accent1"/>
+          </a:fillRef>
+          <a:effectRef idx="0">
+            <a:schemeClr val="accent1"/>
+          </a:effectRef>
+          <a:fontRef idx="minor">
+            <a:schemeClr val="tx1"/>
+          </a:fontRef>
+        </p:style>
+      </p:cxnSp>
+      <p:cxnSp>
+        <p:nvCxnSpPr>
+          <p:cNvPr id="16" name="Straight Connector 15"/>
+          <p:cNvCxnSpPr>
+            <a:cxnSpLocks noGrp="1" noRot="1" noChangeAspect="1" noMove="1" noResize="1" noEditPoints="1" noAdjustHandles="1" noChangeArrowheads="1" noChangeShapeType="1"/>
+          </p:cNvCxnSpPr>
+          <p:nvPr>
+            <p:extLst>
+              <p:ext uri="{386F3935-93C4-4BCD-93E2-E3B085C9AB24}">
+                <p16:designElem xmlns:p16="http://schemas.microsoft.com/office/powerpoint/2015/main" val="1"/>
+              </p:ext>
+            </p:extLst>
+          </p:nvPr>
+        </p:nvCxnSpPr>
+        <p:spPr>
+          <a:xfrm>
+            <a:off x="6096000" y="477749"/>
+            <a:ext cx="0" cy="3657600"/>
+          </a:xfrm>
+          <a:prstGeom prst="line">
+            <a:avLst/>
+          </a:prstGeom>
+          <a:ln w="101600" cmpd="dbl">
+            <a:solidFill>
+              <a:schemeClr val="tx1">
+                <a:lumMod val="65000"/>
+                <a:lumOff val="35000"/>
+              </a:schemeClr>
+            </a:solidFill>
+          </a:ln>
+        </p:spPr>
+        <p:style>
+          <a:lnRef idx="1">
+            <a:schemeClr val="accent1"/>
+          </a:lnRef>
+          <a:fillRef idx="0">
+            <a:schemeClr val="accent1"/>
+          </a:fillRef>
+          <a:effectRef idx="0">
+            <a:schemeClr val="accent1"/>
+          </a:effectRef>
+          <a:fontRef idx="minor">
+            <a:schemeClr val="tx1"/>
+          </a:fontRef>
+        </p:style>
+      </p:cxnSp>
+      <p:pic>
+        <p:nvPicPr>
+          <p:cNvPr id="5" name="Picture 4"/>
+          <p:cNvPicPr>
+            <a:picLocks noChangeAspect="1"/>
+          </p:cNvPicPr>
+          <p:nvPr/>
         </p:nvPicPr>
         <p:blipFill>
           <a:blip r:embed="rId2">
@@ -3514,15 +5250,82 @@
         </p:blipFill>
         <p:spPr>
           <a:xfrm>
-            <a:off x="1974979" y="1961091"/>
-            <a:ext cx="8242042" cy="4351338"/>
-          </a:xfrm>
+            <a:off x="320040" y="485637"/>
+            <a:ext cx="5455917" cy="3641825"/>
+          </a:xfrm>
+          <a:prstGeom prst="rect">
+            <a:avLst/>
+          </a:prstGeom>
         </p:spPr>
       </p:pic>
+      <p:pic>
+        <p:nvPicPr>
+          <p:cNvPr id="3" name="Picture 2"/>
+          <p:cNvPicPr>
+            <a:picLocks noChangeAspect="1"/>
+          </p:cNvPicPr>
+          <p:nvPr/>
+        </p:nvPicPr>
+        <p:blipFill>
+          <a:blip r:embed="rId3">
+            <a:extLst>
+              <a:ext uri="{28A0092B-C50C-407E-A947-70E740481C1C}">
+                <a14:useLocalDpi xmlns:a14="http://schemas.microsoft.com/office/drawing/2010/main" val="0"/>
+              </a:ext>
+            </a:extLst>
+          </a:blip>
+          <a:stretch>
+            <a:fillRect/>
+          </a:stretch>
+        </p:blipFill>
+        <p:spPr>
+          <a:xfrm>
+            <a:off x="6416043" y="485637"/>
+            <a:ext cx="5455917" cy="3641825"/>
+          </a:xfrm>
+          <a:prstGeom prst="rect">
+            <a:avLst/>
+          </a:prstGeom>
+        </p:spPr>
+      </p:pic>
+      <p:sp>
+        <p:nvSpPr>
+          <p:cNvPr id="2" name="Title 1"/>
+          <p:cNvSpPr>
+            <a:spLocks noGrp="1"/>
+          </p:cNvSpPr>
+          <p:nvPr>
+            <p:ph type="title"/>
+          </p:nvPr>
+        </p:nvSpPr>
+        <p:spPr>
+          <a:xfrm>
+            <a:off x="527538" y="4756638"/>
+            <a:ext cx="11139854" cy="930447"/>
+          </a:xfrm>
+        </p:spPr>
+        <p:txBody>
+          <a:bodyPr vert="horz" lIns="91440" tIns="45720" rIns="91440" bIns="45720" rtlCol="0" anchor="b">
+            <a:normAutofit/>
+          </a:bodyPr>
+          <a:lstStyle/>
+          <a:p>
+            <a:pPr algn="ctr"/>
+            <a:r>
+              <a:rPr lang="en-US" sz="5400">
+                <a:solidFill>
+                  <a:schemeClr val="bg1"/>
+                </a:solidFill>
+              </a:rPr>
+              <a:t>Buzz Words of –  Short Films</a:t>
+            </a:r>
+          </a:p>
+        </p:txBody>
+      </p:sp>
     </p:spTree>
     <p:extLst>
       <p:ext uri="{BB962C8B-B14F-4D97-AF65-F5344CB8AC3E}">
-        <p14:creationId xmlns:p14="http://schemas.microsoft.com/office/powerpoint/2010/main" val="2104631387"/>
+        <p14:creationId xmlns:p14="http://schemas.microsoft.com/office/powerpoint/2010/main" val="3586586324"/>
       </p:ext>
     </p:extLst>
   </p:cSld>
